--- a/AI Hackathon Presentation.pptx
+++ b/AI Hackathon Presentation.pptx
@@ -13,6 +13,8 @@
     <p:sldId id="258" r:id="rId10"/>
     <p:sldId id="259" r:id="rId11"/>
     <p:sldId id="260" r:id="rId12"/>
+    <p:sldId id="261" r:id="rId13"/>
+    <p:sldId id="262" r:id="rId14"/>
   </p:sldIdLst>
   <p:sldSz cx="24384000" cy="13716000"/>
   <p:notesSz cx="6858000" cy="9144000"/>
@@ -4359,7 +4361,7 @@
       </p:grpSpPr>
       <p:sp>
         <p:nvSpPr>
-          <p:cNvPr id="175" name="The Vision"/>
+          <p:cNvPr id="175" name="The Team"/>
           <p:cNvSpPr txBox="1"/>
           <p:nvPr>
             <p:ph type="title"/>
@@ -4376,14 +4378,14 @@
           <a:p>
             <a:pPr/>
             <a:r>
-              <a:t>The Vision</a:t>
-            </a:r>
-          </a:p>
-        </p:txBody>
-      </p:sp>
-      <p:sp>
-        <p:nvSpPr>
-          <p:cNvPr id="176" name="Bringing back personal shopping"/>
+              <a:t>The Team</a:t>
+            </a:r>
+          </a:p>
+        </p:txBody>
+      </p:sp>
+      <p:sp>
+        <p:nvSpPr>
+          <p:cNvPr id="176" name="Slide Subtitle"/>
           <p:cNvSpPr txBox="1"/>
           <p:nvPr>
             <p:ph type="body" idx="21"/>
@@ -4393,26 +4395,18 @@
           <a:prstGeom prst="rect">
             <a:avLst/>
           </a:prstGeom>
-          <a:extLst>
-            <a:ext uri="{C572A759-6A51-4108-AA02-DFA0A04FC94B}">
-              <ma14:wrappingTextBoxFlag xmlns:ma14="http://schemas.microsoft.com/office/mac/drawingml/2011/main" val="1"/>
-            </a:ext>
-          </a:extLst>
         </p:spPr>
         <p:txBody>
           <a:bodyPr/>
           <a:lstStyle/>
           <a:p>
             <a:pPr/>
-            <a:r>
-              <a:t>Bringing back personal shopping</a:t>
-            </a:r>
-          </a:p>
-        </p:txBody>
-      </p:sp>
-      <p:sp>
-        <p:nvSpPr>
-          <p:cNvPr id="177" name="An AI personal shopper that can help you plan and buy items for projects…"/>
+          </a:p>
+        </p:txBody>
+      </p:sp>
+      <p:sp>
+        <p:nvSpPr>
+          <p:cNvPr id="177" name="Ishaan (Me)"/>
           <p:cNvSpPr txBox="1"/>
           <p:nvPr>
             <p:ph type="body" idx="1"/>
@@ -4429,37 +4423,7 @@
           <a:p>
             <a:pPr/>
             <a:r>
-              <a:t>An AI personal shopper that can help you plan and buy items for projects</a:t>
-            </a:r>
-          </a:p>
-          <a:p>
-            <a:pPr/>
-            <a:r>
-              <a:t>Not just surface-level</a:t>
-            </a:r>
-          </a:p>
-          <a:p>
-            <a:pPr lvl="1"/>
-            <a:r>
-              <a:t>Break down projects into categories of items to buy</a:t>
-            </a:r>
-          </a:p>
-          <a:p>
-            <a:pPr lvl="1"/>
-            <a:r>
-              <a:t>Breaks down categories into item recommendations</a:t>
-            </a:r>
-          </a:p>
-          <a:p>
-            <a:pPr lvl="1"/>
-            <a:r>
-              <a:t>Scores the recommendations to ensure that it’s an acceptable recommendation</a:t>
-            </a:r>
-          </a:p>
-          <a:p>
-            <a:pPr lvl="1"/>
-            <a:r>
-              <a:t>Rethinks and takes in feedback</a:t>
+              <a:t>Ishaan (Me)</a:t>
             </a:r>
           </a:p>
         </p:txBody>
@@ -4503,10 +4467,10 @@
       </p:grpSpPr>
       <p:sp>
         <p:nvSpPr>
-          <p:cNvPr id="179" name="Demo"/>
+          <p:cNvPr id="179" name="Tech Stack"/>
           <p:cNvSpPr txBox="1"/>
           <p:nvPr>
-            <p:ph type="body" sz="half" idx="1"/>
+            <p:ph type="title"/>
           </p:nvPr>
         </p:nvSpPr>
         <p:spPr>
@@ -4520,7 +4484,64 @@
           <a:p>
             <a:pPr/>
             <a:r>
-              <a:t>Demo</a:t>
+              <a:t>Tech Stack</a:t>
+            </a:r>
+          </a:p>
+        </p:txBody>
+      </p:sp>
+      <p:sp>
+        <p:nvSpPr>
+          <p:cNvPr id="180" name="Slide Subtitle"/>
+          <p:cNvSpPr txBox="1"/>
+          <p:nvPr>
+            <p:ph type="body" idx="21"/>
+          </p:nvPr>
+        </p:nvSpPr>
+        <p:spPr>
+          <a:prstGeom prst="rect">
+            <a:avLst/>
+          </a:prstGeom>
+        </p:spPr>
+        <p:txBody>
+          <a:bodyPr/>
+          <a:lstStyle/>
+          <a:p>
+            <a:pPr/>
+          </a:p>
+        </p:txBody>
+      </p:sp>
+      <p:sp>
+        <p:nvSpPr>
+          <p:cNvPr id="181" name="Langgraph…"/>
+          <p:cNvSpPr txBox="1"/>
+          <p:nvPr>
+            <p:ph type="body" idx="1"/>
+          </p:nvPr>
+        </p:nvSpPr>
+        <p:spPr>
+          <a:prstGeom prst="rect">
+            <a:avLst/>
+          </a:prstGeom>
+        </p:spPr>
+        <p:txBody>
+          <a:bodyPr/>
+          <a:lstStyle/>
+          <a:p>
+            <a:pPr/>
+            <a:r>
+              <a:t>Langgraph</a:t>
+            </a:r>
+          </a:p>
+          <a:p>
+            <a:pPr/>
+            <a:r>
+              <a:t>Python</a:t>
+            </a:r>
+          </a:p>
+          <a:p>
+            <a:pPr/>
+            <a:r>
+              <a:t>Gemini-flash</a:t>
             </a:r>
           </a:p>
         </p:txBody>
@@ -4564,7 +4585,7 @@
       </p:grpSpPr>
       <p:sp>
         <p:nvSpPr>
-          <p:cNvPr id="181" name="What’s next?"/>
+          <p:cNvPr id="183" name="The Vision"/>
           <p:cNvSpPr txBox="1"/>
           <p:nvPr>
             <p:ph type="title"/>
@@ -4581,14 +4602,14 @@
           <a:p>
             <a:pPr/>
             <a:r>
-              <a:t>What’s next?</a:t>
-            </a:r>
-          </a:p>
-        </p:txBody>
-      </p:sp>
-      <p:sp>
-        <p:nvSpPr>
-          <p:cNvPr id="182" name="Future enhancements"/>
+              <a:t>The Vision</a:t>
+            </a:r>
+          </a:p>
+        </p:txBody>
+      </p:sp>
+      <p:sp>
+        <p:nvSpPr>
+          <p:cNvPr id="184" name="Bringing back personal shopping"/>
           <p:cNvSpPr txBox="1"/>
           <p:nvPr>
             <p:ph type="body" idx="21"/>
@@ -4610,14 +4631,14 @@
           <a:p>
             <a:pPr/>
             <a:r>
-              <a:t>Future enhancements</a:t>
-            </a:r>
-          </a:p>
-        </p:txBody>
-      </p:sp>
-      <p:sp>
-        <p:nvSpPr>
-          <p:cNvPr id="183" name="Add functionality to give e-commerce results as recommendations…"/>
+              <a:t>Bringing back personal shopping</a:t>
+            </a:r>
+          </a:p>
+        </p:txBody>
+      </p:sp>
+      <p:sp>
+        <p:nvSpPr>
+          <p:cNvPr id="185" name="An AI personal shopper that can help you plan and buy items for projects…"/>
           <p:cNvSpPr txBox="1"/>
           <p:nvPr>
             <p:ph type="body" idx="1"/>
@@ -4634,37 +4655,37 @@
           <a:p>
             <a:pPr/>
             <a:r>
-              <a:t>Add functionality to give e-commerce results as recommendations</a:t>
-            </a:r>
-          </a:p>
-          <a:p>
-            <a:pPr/>
-            <a:r>
-              <a:t>Compatibility checking tool</a:t>
-            </a:r>
-          </a:p>
-          <a:p>
-            <a:pPr/>
-            <a:r>
-              <a:t>Add social network</a:t>
+              <a:t>An AI personal shopper that can help you plan and buy items for projects</a:t>
+            </a:r>
+          </a:p>
+          <a:p>
+            <a:pPr/>
+            <a:r>
+              <a:t>Not just surface-level</a:t>
             </a:r>
           </a:p>
           <a:p>
             <a:pPr lvl="1"/>
             <a:r>
-              <a:t>Item recommendations based on social network</a:t>
+              <a:t>Break down projects into categories of items to buy</a:t>
             </a:r>
           </a:p>
           <a:p>
             <a:pPr lvl="1"/>
             <a:r>
-              <a:t>Sharing items directly between users</a:t>
+              <a:t>Breaks down categories into item recommendations</a:t>
             </a:r>
           </a:p>
           <a:p>
             <a:pPr lvl="1"/>
             <a:r>
-              <a:t>Personalize based on shopping history</a:t>
+              <a:t>Scores the recommendations to ensure that it’s an acceptable recommendation</a:t>
+            </a:r>
+          </a:p>
+          <a:p>
+            <a:pPr lvl="1"/>
+            <a:r>
+              <a:t>Rethinks and takes in feedback</a:t>
             </a:r>
           </a:p>
         </p:txBody>
@@ -4708,7 +4729,212 @@
       </p:grpSpPr>
       <p:sp>
         <p:nvSpPr>
-          <p:cNvPr id="185" name="Thank you!"/>
+          <p:cNvPr id="187" name="Demo"/>
+          <p:cNvSpPr txBox="1"/>
+          <p:nvPr>
+            <p:ph type="body" sz="half" idx="1"/>
+          </p:nvPr>
+        </p:nvSpPr>
+        <p:spPr>
+          <a:prstGeom prst="rect">
+            <a:avLst/>
+          </a:prstGeom>
+        </p:spPr>
+        <p:txBody>
+          <a:bodyPr/>
+          <a:lstStyle/>
+          <a:p>
+            <a:pPr/>
+            <a:r>
+              <a:t>Demo</a:t>
+            </a:r>
+          </a:p>
+        </p:txBody>
+      </p:sp>
+    </p:spTree>
+  </p:cSld>
+  <p:clrMapOvr>
+    <a:masterClrMapping/>
+  </p:clrMapOvr>
+  <mc:AlternateContent xmlns:mc="http://schemas.openxmlformats.org/markup-compatibility/2006">
+    <mc:Choice xmlns:p14="http://schemas.microsoft.com/office/powerpoint/2010/main" Requires="p14">
+      <p:transition spd="slow" advClick="1" p14:dur="2000">
+        <p:dissolve/>
+      </p:transition>
+    </mc:Choice>
+    <mc:Fallback>
+      <p:transition spd="slow">
+        <p:fade/>
+      </p:transition>
+    </mc:Fallback>
+  </mc:AlternateContent>
+</p:sld>
+</file>
+
+<file path=ppt/slides/slide6.xml><?xml version="1.0" encoding="utf-8"?>
+<p:sld xmlns:a="http://schemas.openxmlformats.org/drawingml/2006/main" xmlns:r="http://schemas.openxmlformats.org/officeDocument/2006/relationships" xmlns:p="http://schemas.openxmlformats.org/presentationml/2006/main" xmlns:m="http://schemas.openxmlformats.org/officeDocument/2006/math" xmlns:a14="http://schemas.microsoft.com/office/drawing/2010/main" showMasterSp="1" showMasterPhAnim="1">
+  <p:cSld>
+    <p:spTree>
+      <p:nvGrpSpPr>
+        <p:cNvPr id="1" name=""/>
+        <p:cNvGrpSpPr/>
+        <p:nvPr/>
+      </p:nvGrpSpPr>
+      <p:grpSpPr>
+        <a:xfrm>
+          <a:off x="0" y="0"/>
+          <a:ext cx="0" cy="0"/>
+          <a:chOff x="0" y="0"/>
+          <a:chExt cx="0" cy="0"/>
+        </a:xfrm>
+      </p:grpSpPr>
+      <p:sp>
+        <p:nvSpPr>
+          <p:cNvPr id="189" name="What’s next?"/>
+          <p:cNvSpPr txBox="1"/>
+          <p:nvPr>
+            <p:ph type="title"/>
+          </p:nvPr>
+        </p:nvSpPr>
+        <p:spPr>
+          <a:prstGeom prst="rect">
+            <a:avLst/>
+          </a:prstGeom>
+        </p:spPr>
+        <p:txBody>
+          <a:bodyPr/>
+          <a:lstStyle/>
+          <a:p>
+            <a:pPr/>
+            <a:r>
+              <a:t>What’s next?</a:t>
+            </a:r>
+          </a:p>
+        </p:txBody>
+      </p:sp>
+      <p:sp>
+        <p:nvSpPr>
+          <p:cNvPr id="190" name="Future enhancements"/>
+          <p:cNvSpPr txBox="1"/>
+          <p:nvPr>
+            <p:ph type="body" idx="21"/>
+          </p:nvPr>
+        </p:nvSpPr>
+        <p:spPr>
+          <a:prstGeom prst="rect">
+            <a:avLst/>
+          </a:prstGeom>
+          <a:extLst>
+            <a:ext uri="{C572A759-6A51-4108-AA02-DFA0A04FC94B}">
+              <ma14:wrappingTextBoxFlag xmlns:ma14="http://schemas.microsoft.com/office/mac/drawingml/2011/main" val="1"/>
+            </a:ext>
+          </a:extLst>
+        </p:spPr>
+        <p:txBody>
+          <a:bodyPr/>
+          <a:lstStyle/>
+          <a:p>
+            <a:pPr/>
+            <a:r>
+              <a:t>Future enhancements</a:t>
+            </a:r>
+          </a:p>
+        </p:txBody>
+      </p:sp>
+      <p:sp>
+        <p:nvSpPr>
+          <p:cNvPr id="191" name="Add functionality to give e-commerce results as recommendations…"/>
+          <p:cNvSpPr txBox="1"/>
+          <p:nvPr>
+            <p:ph type="body" idx="1"/>
+          </p:nvPr>
+        </p:nvSpPr>
+        <p:spPr>
+          <a:prstGeom prst="rect">
+            <a:avLst/>
+          </a:prstGeom>
+        </p:spPr>
+        <p:txBody>
+          <a:bodyPr/>
+          <a:lstStyle/>
+          <a:p>
+            <a:pPr/>
+            <a:r>
+              <a:t>Add functionality to give e-commerce results as recommendations</a:t>
+            </a:r>
+          </a:p>
+          <a:p>
+            <a:pPr/>
+            <a:r>
+              <a:t>Compatibility checking tool</a:t>
+            </a:r>
+          </a:p>
+          <a:p>
+            <a:pPr/>
+            <a:r>
+              <a:t>Add social network</a:t>
+            </a:r>
+          </a:p>
+          <a:p>
+            <a:pPr lvl="1"/>
+            <a:r>
+              <a:t>Item recommendations based on social network</a:t>
+            </a:r>
+          </a:p>
+          <a:p>
+            <a:pPr lvl="1"/>
+            <a:r>
+              <a:t>Sharing items directly between users</a:t>
+            </a:r>
+          </a:p>
+          <a:p>
+            <a:pPr lvl="1"/>
+            <a:r>
+              <a:t>Personalize based on shopping history</a:t>
+            </a:r>
+          </a:p>
+        </p:txBody>
+      </p:sp>
+    </p:spTree>
+  </p:cSld>
+  <p:clrMapOvr>
+    <a:masterClrMapping/>
+  </p:clrMapOvr>
+  <mc:AlternateContent xmlns:mc="http://schemas.openxmlformats.org/markup-compatibility/2006">
+    <mc:Choice xmlns:p14="http://schemas.microsoft.com/office/powerpoint/2010/main" Requires="p14">
+      <p:transition spd="slow" advClick="1" p14:dur="2000">
+        <p:dissolve/>
+      </p:transition>
+    </mc:Choice>
+    <mc:Fallback>
+      <p:transition spd="slow">
+        <p:fade/>
+      </p:transition>
+    </mc:Fallback>
+  </mc:AlternateContent>
+</p:sld>
+</file>
+
+<file path=ppt/slides/slide7.xml><?xml version="1.0" encoding="utf-8"?>
+<p:sld xmlns:a="http://schemas.openxmlformats.org/drawingml/2006/main" xmlns:r="http://schemas.openxmlformats.org/officeDocument/2006/relationships" xmlns:p="http://schemas.openxmlformats.org/presentationml/2006/main" xmlns:m="http://schemas.openxmlformats.org/officeDocument/2006/math" xmlns:a14="http://schemas.microsoft.com/office/drawing/2010/main" showMasterSp="1" showMasterPhAnim="1">
+  <p:cSld>
+    <p:spTree>
+      <p:nvGrpSpPr>
+        <p:cNvPr id="1" name=""/>
+        <p:cNvGrpSpPr/>
+        <p:nvPr/>
+      </p:nvGrpSpPr>
+      <p:grpSpPr>
+        <a:xfrm>
+          <a:off x="0" y="0"/>
+          <a:ext cx="0" cy="0"/>
+          <a:chOff x="0" y="0"/>
+          <a:chExt cx="0" cy="0"/>
+        </a:xfrm>
+      </p:grpSpPr>
+      <p:sp>
+        <p:nvSpPr>
+          <p:cNvPr id="193" name="Thank you!"/>
           <p:cNvSpPr txBox="1"/>
           <p:nvPr>
             <p:ph type="body" sz="half" idx="1"/>
